--- a/files/계획서.pptx
+++ b/files/계획서.pptx
@@ -107,6 +107,11 @@
       </a:defRPr>
     </a:lvl9pPr>
   </p:defaultTextStyle>
+  <p:extLst>
+    <p:ext uri="{EFAFB233-063F-42B5-8137-9DF3F51BA10A}">
+      <p15:sldGuideLst xmlns:p15="http://schemas.microsoft.com/office/powerpoint/2012/main"/>
+    </p:ext>
+  </p:extLst>
 </p:presentation>
 </file>
 
@@ -336,7 +341,7 @@
           <a:p>
             <a:fld id="{3AD022BE-05C0-49D8-8DAC-18F6E8B917E1}" type="datetimeFigureOut">
               <a:rPr lang="ko-KR" altLang="en-US" smtClean="0"/>
-              <a:t>2024-06-27</a:t>
+              <a:t>2024-06-28</a:t>
             </a:fld>
             <a:endParaRPr lang="ko-KR" altLang="en-US"/>
           </a:p>
@@ -544,7 +549,7 @@
           <a:p>
             <a:fld id="{3AD022BE-05C0-49D8-8DAC-18F6E8B917E1}" type="datetimeFigureOut">
               <a:rPr lang="ko-KR" altLang="en-US" smtClean="0"/>
-              <a:t>2024-06-27</a:t>
+              <a:t>2024-06-28</a:t>
             </a:fld>
             <a:endParaRPr lang="ko-KR" altLang="en-US"/>
           </a:p>
@@ -800,7 +805,7 @@
           <a:p>
             <a:fld id="{3AD022BE-05C0-49D8-8DAC-18F6E8B917E1}" type="datetimeFigureOut">
               <a:rPr lang="ko-KR" altLang="en-US" smtClean="0"/>
-              <a:t>2024-06-27</a:t>
+              <a:t>2024-06-28</a:t>
             </a:fld>
             <a:endParaRPr lang="ko-KR" altLang="en-US"/>
           </a:p>
@@ -974,7 +979,7 @@
           <a:p>
             <a:fld id="{3AD022BE-05C0-49D8-8DAC-18F6E8B917E1}" type="datetimeFigureOut">
               <a:rPr lang="ko-KR" altLang="en-US" smtClean="0"/>
-              <a:t>2024-06-27</a:t>
+              <a:t>2024-06-28</a:t>
             </a:fld>
             <a:endParaRPr lang="ko-KR" altLang="en-US"/>
           </a:p>
@@ -1317,7 +1322,7 @@
           <a:p>
             <a:fld id="{3AD022BE-05C0-49D8-8DAC-18F6E8B917E1}" type="datetimeFigureOut">
               <a:rPr lang="ko-KR" altLang="en-US" smtClean="0"/>
-              <a:t>2024-06-27</a:t>
+              <a:t>2024-06-28</a:t>
             </a:fld>
             <a:endParaRPr lang="ko-KR" altLang="en-US"/>
           </a:p>
@@ -1592,7 +1597,7 @@
           <a:p>
             <a:fld id="{3AD022BE-05C0-49D8-8DAC-18F6E8B917E1}" type="datetimeFigureOut">
               <a:rPr lang="ko-KR" altLang="en-US" smtClean="0"/>
-              <a:t>2024-06-27</a:t>
+              <a:t>2024-06-28</a:t>
             </a:fld>
             <a:endParaRPr lang="ko-KR" altLang="en-US"/>
           </a:p>
@@ -1971,7 +1976,7 @@
           <a:p>
             <a:fld id="{3AD022BE-05C0-49D8-8DAC-18F6E8B917E1}" type="datetimeFigureOut">
               <a:rPr lang="ko-KR" altLang="en-US" smtClean="0"/>
-              <a:t>2024-06-27</a:t>
+              <a:t>2024-06-28</a:t>
             </a:fld>
             <a:endParaRPr lang="ko-KR" altLang="en-US"/>
           </a:p>
@@ -2089,7 +2094,7 @@
           <a:p>
             <a:fld id="{3AD022BE-05C0-49D8-8DAC-18F6E8B917E1}" type="datetimeFigureOut">
               <a:rPr lang="ko-KR" altLang="en-US" smtClean="0"/>
-              <a:t>2024-06-27</a:t>
+              <a:t>2024-06-28</a:t>
             </a:fld>
             <a:endParaRPr lang="ko-KR" altLang="en-US"/>
           </a:p>
@@ -2260,7 +2265,7 @@
           <a:p>
             <a:fld id="{3AD022BE-05C0-49D8-8DAC-18F6E8B917E1}" type="datetimeFigureOut">
               <a:rPr lang="ko-KR" altLang="en-US" smtClean="0"/>
-              <a:t>2024-06-27</a:t>
+              <a:t>2024-06-28</a:t>
             </a:fld>
             <a:endParaRPr lang="ko-KR" altLang="en-US"/>
           </a:p>
@@ -2614,7 +2619,7 @@
           <a:p>
             <a:fld id="{3AD022BE-05C0-49D8-8DAC-18F6E8B917E1}" type="datetimeFigureOut">
               <a:rPr lang="ko-KR" altLang="en-US" smtClean="0"/>
-              <a:t>2024-06-27</a:t>
+              <a:t>2024-06-28</a:t>
             </a:fld>
             <a:endParaRPr lang="ko-KR" altLang="en-US"/>
           </a:p>
@@ -2996,7 +3001,7 @@
           <a:p>
             <a:fld id="{3AD022BE-05C0-49D8-8DAC-18F6E8B917E1}" type="datetimeFigureOut">
               <a:rPr lang="ko-KR" altLang="en-US" smtClean="0"/>
-              <a:t>2024-06-27</a:t>
+              <a:t>2024-06-28</a:t>
             </a:fld>
             <a:endParaRPr lang="ko-KR" altLang="en-US"/>
           </a:p>
@@ -3283,7 +3288,7 @@
           <a:p>
             <a:fld id="{3AD022BE-05C0-49D8-8DAC-18F6E8B917E1}" type="datetimeFigureOut">
               <a:rPr lang="ko-KR" altLang="en-US" smtClean="0"/>
-              <a:t>2024-06-27</a:t>
+              <a:t>2024-06-28</a:t>
             </a:fld>
             <a:endParaRPr lang="ko-KR" altLang="en-US"/>
           </a:p>
@@ -3938,7 +3943,7 @@
                 <a16:creationId xmlns:a16="http://schemas.microsoft.com/office/drawing/2014/main" id="{77AB95BF-57D0-4E49-9EF2-408B47C8D40D}"/>
               </a:ext>
               <a:ext uri="{C183D7F6-B498-43B3-948B-1728B52AA6E4}">
-                <adec:decorative xmlns:adec="http://schemas.microsoft.com/office/drawing/2017/decorative" val="1"/>
+                <adec:decorative xmlns:adec="http://schemas.microsoft.com/office/drawing/2017/decorative" xmlns="" val="1"/>
               </a:ext>
             </a:extLst>
           </p:cNvPr>
@@ -3992,7 +3997,7 @@
                 <a16:creationId xmlns:a16="http://schemas.microsoft.com/office/drawing/2014/main" id="{1C520CBD-F82E-44E4-BDA5-128716AD79C8}"/>
               </a:ext>
               <a:ext uri="{C183D7F6-B498-43B3-948B-1728B52AA6E4}">
-                <adec:decorative xmlns:adec="http://schemas.microsoft.com/office/drawing/2017/decorative" val="1"/>
+                <adec:decorative xmlns:adec="http://schemas.microsoft.com/office/drawing/2017/decorative" xmlns="" val="1"/>
               </a:ext>
             </a:extLst>
           </p:cNvPr>
@@ -4054,7 +4059,7 @@
                 <a16:creationId xmlns:a16="http://schemas.microsoft.com/office/drawing/2014/main" id="{4618AE32-A526-42FC-A854-732740BD38DA}"/>
               </a:ext>
               <a:ext uri="{C183D7F6-B498-43B3-948B-1728B52AA6E4}">
-                <adec:decorative xmlns:adec="http://schemas.microsoft.com/office/drawing/2017/decorative" val="1"/>
+                <adec:decorative xmlns:adec="http://schemas.microsoft.com/office/drawing/2017/decorative" xmlns="" val="1"/>
               </a:ext>
             </a:extLst>
           </p:cNvPr>
@@ -4863,7 +4868,7 @@
         </p:nvSpPr>
         <p:spPr>
           <a:xfrm>
-            <a:off x="127876" y="2034550"/>
+            <a:off x="1097280" y="1948858"/>
             <a:ext cx="3790981" cy="578021"/>
           </a:xfrm>
         </p:spPr>
@@ -4913,7 +4918,7 @@
         </p:nvSpPr>
         <p:spPr>
           <a:xfrm>
-            <a:off x="4159490" y="2034550"/>
+            <a:off x="6805974" y="1948858"/>
             <a:ext cx="3251964" cy="4023360"/>
           </a:xfrm>
           <a:prstGeom prst="rect">
@@ -5194,299 +5199,6 @@
           </a:p>
         </p:txBody>
       </p:sp>
-      <p:sp>
-        <p:nvSpPr>
-          <p:cNvPr id="8" name="내용 개체 틀 2">
-            <a:extLst>
-              <a:ext uri="{FF2B5EF4-FFF2-40B4-BE49-F238E27FC236}">
-                <a16:creationId xmlns:a16="http://schemas.microsoft.com/office/drawing/2014/main" id="{679C1182-160E-5528-AADE-CB45B2D0E125}"/>
-              </a:ext>
-            </a:extLst>
-          </p:cNvPr>
-          <p:cNvSpPr txBox="1">
-            <a:spLocks/>
-          </p:cNvSpPr>
-          <p:nvPr/>
-        </p:nvSpPr>
-        <p:spPr>
-          <a:xfrm>
-            <a:off x="7847342" y="2034550"/>
-            <a:ext cx="3770355" cy="4023360"/>
-          </a:xfrm>
-          <a:prstGeom prst="rect">
-            <a:avLst/>
-          </a:prstGeom>
-        </p:spPr>
-        <p:txBody>
-          <a:bodyPr vert="horz" lIns="0" tIns="45720" rIns="0" bIns="45720" rtlCol="0">
-            <a:normAutofit/>
-          </a:bodyPr>
-          <a:lstStyle>
-            <a:lvl1pPr marL="91440" indent="-91440" algn="l" defTabSz="914400" rtl="0" eaLnBrk="1" latinLnBrk="1" hangingPunct="1">
-              <a:lnSpc>
-                <a:spcPct val="90000"/>
-              </a:lnSpc>
-              <a:spcBef>
-                <a:spcPts val="1200"/>
-              </a:spcBef>
-              <a:spcAft>
-                <a:spcPts val="200"/>
-              </a:spcAft>
-              <a:buClr>
-                <a:schemeClr val="accent1"/>
-              </a:buClr>
-              <a:buSzPct val="100000"/>
-              <a:buFont typeface="Calibri" panose="020F0502020204030204" pitchFamily="34" charset="0"/>
-              <a:buChar char=" "/>
-              <a:defRPr sz="2000" kern="1200">
-                <a:solidFill>
-                  <a:schemeClr val="tx1">
-                    <a:lumMod val="75000"/>
-                    <a:lumOff val="25000"/>
-                  </a:schemeClr>
-                </a:solidFill>
-                <a:latin typeface="+mn-lt"/>
-                <a:ea typeface="+mn-ea"/>
-                <a:cs typeface="+mn-cs"/>
-              </a:defRPr>
-            </a:lvl1pPr>
-            <a:lvl2pPr marL="384048" indent="-182880" algn="l" defTabSz="914400" rtl="0" eaLnBrk="1" latinLnBrk="1" hangingPunct="1">
-              <a:lnSpc>
-                <a:spcPct val="90000"/>
-              </a:lnSpc>
-              <a:spcBef>
-                <a:spcPts val="200"/>
-              </a:spcBef>
-              <a:spcAft>
-                <a:spcPts val="400"/>
-              </a:spcAft>
-              <a:buClr>
-                <a:schemeClr val="accent1"/>
-              </a:buClr>
-              <a:buFont typeface="Calibri" pitchFamily="34" charset="0"/>
-              <a:buChar char="◦"/>
-              <a:defRPr sz="1800" kern="1200">
-                <a:solidFill>
-                  <a:schemeClr val="tx1">
-                    <a:lumMod val="75000"/>
-                    <a:lumOff val="25000"/>
-                  </a:schemeClr>
-                </a:solidFill>
-                <a:latin typeface="+mn-lt"/>
-                <a:ea typeface="+mn-ea"/>
-                <a:cs typeface="+mn-cs"/>
-              </a:defRPr>
-            </a:lvl2pPr>
-            <a:lvl3pPr marL="566928" indent="-182880" algn="l" defTabSz="914400" rtl="0" eaLnBrk="1" latinLnBrk="1" hangingPunct="1">
-              <a:lnSpc>
-                <a:spcPct val="90000"/>
-              </a:lnSpc>
-              <a:spcBef>
-                <a:spcPts val="200"/>
-              </a:spcBef>
-              <a:spcAft>
-                <a:spcPts val="400"/>
-              </a:spcAft>
-              <a:buClr>
-                <a:schemeClr val="accent1"/>
-              </a:buClr>
-              <a:buFont typeface="Calibri" pitchFamily="34" charset="0"/>
-              <a:buChar char="◦"/>
-              <a:defRPr sz="1400" kern="1200">
-                <a:solidFill>
-                  <a:schemeClr val="tx1">
-                    <a:lumMod val="75000"/>
-                    <a:lumOff val="25000"/>
-                  </a:schemeClr>
-                </a:solidFill>
-                <a:latin typeface="+mn-lt"/>
-                <a:ea typeface="+mn-ea"/>
-                <a:cs typeface="+mn-cs"/>
-              </a:defRPr>
-            </a:lvl3pPr>
-            <a:lvl4pPr marL="749808" indent="-182880" algn="l" defTabSz="914400" rtl="0" eaLnBrk="1" latinLnBrk="1" hangingPunct="1">
-              <a:lnSpc>
-                <a:spcPct val="90000"/>
-              </a:lnSpc>
-              <a:spcBef>
-                <a:spcPts val="200"/>
-              </a:spcBef>
-              <a:spcAft>
-                <a:spcPts val="400"/>
-              </a:spcAft>
-              <a:buClr>
-                <a:schemeClr val="accent1"/>
-              </a:buClr>
-              <a:buFont typeface="Calibri" pitchFamily="34" charset="0"/>
-              <a:buChar char="◦"/>
-              <a:defRPr sz="1400" kern="1200">
-                <a:solidFill>
-                  <a:schemeClr val="tx1">
-                    <a:lumMod val="75000"/>
-                    <a:lumOff val="25000"/>
-                  </a:schemeClr>
-                </a:solidFill>
-                <a:latin typeface="+mn-lt"/>
-                <a:ea typeface="+mn-ea"/>
-                <a:cs typeface="+mn-cs"/>
-              </a:defRPr>
-            </a:lvl4pPr>
-            <a:lvl5pPr marL="932688" indent="-182880" algn="l" defTabSz="914400" rtl="0" eaLnBrk="1" latinLnBrk="1" hangingPunct="1">
-              <a:lnSpc>
-                <a:spcPct val="90000"/>
-              </a:lnSpc>
-              <a:spcBef>
-                <a:spcPts val="200"/>
-              </a:spcBef>
-              <a:spcAft>
-                <a:spcPts val="400"/>
-              </a:spcAft>
-              <a:buClr>
-                <a:schemeClr val="accent1"/>
-              </a:buClr>
-              <a:buFont typeface="Calibri" pitchFamily="34" charset="0"/>
-              <a:buChar char="◦"/>
-              <a:defRPr sz="1400" kern="1200">
-                <a:solidFill>
-                  <a:schemeClr val="tx1">
-                    <a:lumMod val="75000"/>
-                    <a:lumOff val="25000"/>
-                  </a:schemeClr>
-                </a:solidFill>
-                <a:latin typeface="+mn-lt"/>
-                <a:ea typeface="+mn-ea"/>
-                <a:cs typeface="+mn-cs"/>
-              </a:defRPr>
-            </a:lvl5pPr>
-            <a:lvl6pPr marL="1100000" indent="-228600" algn="l" defTabSz="914400" rtl="0" eaLnBrk="1" latinLnBrk="1" hangingPunct="1">
-              <a:lnSpc>
-                <a:spcPct val="90000"/>
-              </a:lnSpc>
-              <a:spcBef>
-                <a:spcPts val="200"/>
-              </a:spcBef>
-              <a:spcAft>
-                <a:spcPts val="400"/>
-              </a:spcAft>
-              <a:buClr>
-                <a:schemeClr val="accent1"/>
-              </a:buClr>
-              <a:buFont typeface="Calibri" pitchFamily="34" charset="0"/>
-              <a:buChar char="◦"/>
-              <a:defRPr sz="1400" kern="1200">
-                <a:solidFill>
-                  <a:schemeClr val="tx1">
-                    <a:lumMod val="75000"/>
-                    <a:lumOff val="25000"/>
-                  </a:schemeClr>
-                </a:solidFill>
-                <a:latin typeface="+mn-lt"/>
-                <a:ea typeface="+mn-ea"/>
-                <a:cs typeface="+mn-cs"/>
-              </a:defRPr>
-            </a:lvl6pPr>
-            <a:lvl7pPr marL="1300000" indent="-228600" algn="l" defTabSz="914400" rtl="0" eaLnBrk="1" latinLnBrk="1" hangingPunct="1">
-              <a:lnSpc>
-                <a:spcPct val="90000"/>
-              </a:lnSpc>
-              <a:spcBef>
-                <a:spcPts val="200"/>
-              </a:spcBef>
-              <a:spcAft>
-                <a:spcPts val="400"/>
-              </a:spcAft>
-              <a:buClr>
-                <a:schemeClr val="accent1"/>
-              </a:buClr>
-              <a:buFont typeface="Calibri" pitchFamily="34" charset="0"/>
-              <a:buChar char="◦"/>
-              <a:defRPr sz="1400" kern="1200">
-                <a:solidFill>
-                  <a:schemeClr val="tx1">
-                    <a:lumMod val="75000"/>
-                    <a:lumOff val="25000"/>
-                  </a:schemeClr>
-                </a:solidFill>
-                <a:latin typeface="+mn-lt"/>
-                <a:ea typeface="+mn-ea"/>
-                <a:cs typeface="+mn-cs"/>
-              </a:defRPr>
-            </a:lvl7pPr>
-            <a:lvl8pPr marL="1500000" indent="-228600" algn="l" defTabSz="914400" rtl="0" eaLnBrk="1" latinLnBrk="1" hangingPunct="1">
-              <a:lnSpc>
-                <a:spcPct val="90000"/>
-              </a:lnSpc>
-              <a:spcBef>
-                <a:spcPts val="200"/>
-              </a:spcBef>
-              <a:spcAft>
-                <a:spcPts val="400"/>
-              </a:spcAft>
-              <a:buClr>
-                <a:schemeClr val="accent1"/>
-              </a:buClr>
-              <a:buFont typeface="Calibri" pitchFamily="34" charset="0"/>
-              <a:buChar char="◦"/>
-              <a:defRPr sz="1400" kern="1200">
-                <a:solidFill>
-                  <a:schemeClr val="tx1">
-                    <a:lumMod val="75000"/>
-                    <a:lumOff val="25000"/>
-                  </a:schemeClr>
-                </a:solidFill>
-                <a:latin typeface="+mn-lt"/>
-                <a:ea typeface="+mn-ea"/>
-                <a:cs typeface="+mn-cs"/>
-              </a:defRPr>
-            </a:lvl8pPr>
-            <a:lvl9pPr marL="1700000" indent="-228600" algn="l" defTabSz="914400" rtl="0" eaLnBrk="1" latinLnBrk="1" hangingPunct="1">
-              <a:lnSpc>
-                <a:spcPct val="90000"/>
-              </a:lnSpc>
-              <a:spcBef>
-                <a:spcPts val="200"/>
-              </a:spcBef>
-              <a:spcAft>
-                <a:spcPts val="400"/>
-              </a:spcAft>
-              <a:buClr>
-                <a:schemeClr val="accent1"/>
-              </a:buClr>
-              <a:buFont typeface="Calibri" pitchFamily="34" charset="0"/>
-              <a:buChar char="◦"/>
-              <a:defRPr sz="1400" kern="1200">
-                <a:solidFill>
-                  <a:schemeClr val="tx1">
-                    <a:lumMod val="75000"/>
-                    <a:lumOff val="25000"/>
-                  </a:schemeClr>
-                </a:solidFill>
-                <a:latin typeface="+mn-lt"/>
-                <a:ea typeface="+mn-ea"/>
-                <a:cs typeface="+mn-cs"/>
-              </a:defRPr>
-            </a:lvl9pPr>
-          </a:lstStyle>
-          <a:p>
-            <a:r>
-              <a:rPr lang="en-US" altLang="ko-KR" sz="1600" dirty="0"/>
-              <a:t>3. </a:t>
-            </a:r>
-            <a:r>
-              <a:rPr lang="ko-KR" altLang="en-US" sz="1600" dirty="0"/>
-              <a:t>타이머</a:t>
-            </a:r>
-            <a:r>
-              <a:rPr lang="en-US" altLang="ko-KR" sz="1600" dirty="0"/>
-              <a:t>: </a:t>
-            </a:r>
-            <a:r>
-              <a:rPr lang="ko-KR" altLang="en-US" sz="1600" dirty="0"/>
-              <a:t>작업 시간을 정해둘 타이머</a:t>
-            </a:r>
-          </a:p>
-        </p:txBody>
-      </p:sp>
       <p:pic>
         <p:nvPicPr>
           <p:cNvPr id="10" name="그림 9" descr="텍스트, 친필, 직사각형, 스크린샷이(가) 표시된 사진&#10;&#10;자동 생성된 설명">
@@ -5502,7 +5214,7 @@
           <p:nvPr/>
         </p:nvPicPr>
         <p:blipFill>
-          <a:blip r:embed="rId2">
+          <a:blip r:embed="rId2" cstate="hqprint">
             <a:extLst>
               <a:ext uri="{28A0092B-C50C-407E-A947-70E740481C1C}">
                 <a14:useLocalDpi xmlns:a14="http://schemas.microsoft.com/office/drawing/2010/main" val="0"/>
@@ -5515,7 +5227,7 @@
         </p:blipFill>
         <p:spPr>
           <a:xfrm>
-            <a:off x="327331" y="2346213"/>
+            <a:off x="1285520" y="2237868"/>
             <a:ext cx="3287209" cy="3287209"/>
           </a:xfrm>
           <a:prstGeom prst="rect">
@@ -5538,7 +5250,7 @@
           <p:nvPr/>
         </p:nvPicPr>
         <p:blipFill>
-          <a:blip r:embed="rId3">
+          <a:blip r:embed="rId3" cstate="hqprint">
             <a:extLst>
               <a:ext uri="{28A0092B-C50C-407E-A947-70E740481C1C}">
                 <a14:useLocalDpi xmlns:a14="http://schemas.microsoft.com/office/drawing/2010/main" val="0"/>
@@ -5551,44 +5263,8 @@
         </p:blipFill>
         <p:spPr>
           <a:xfrm>
-            <a:off x="3404938" y="1609283"/>
-            <a:ext cx="4761067" cy="4761067"/>
-          </a:xfrm>
-          <a:prstGeom prst="rect">
-            <a:avLst/>
-          </a:prstGeom>
-        </p:spPr>
-      </p:pic>
-      <p:pic>
-        <p:nvPicPr>
-          <p:cNvPr id="14" name="그림 13" descr="시계, 벽시계, 원이(가) 표시된 사진&#10;&#10;자동 생성된 설명">
-            <a:extLst>
-              <a:ext uri="{FF2B5EF4-FFF2-40B4-BE49-F238E27FC236}">
-                <a16:creationId xmlns:a16="http://schemas.microsoft.com/office/drawing/2014/main" id="{1488063E-58BF-5AD3-DFD6-9386AFECE4AB}"/>
-              </a:ext>
-            </a:extLst>
-          </p:cNvPr>
-          <p:cNvPicPr>
-            <a:picLocks noChangeAspect="1"/>
-          </p:cNvPicPr>
-          <p:nvPr/>
-        </p:nvPicPr>
-        <p:blipFill>
-          <a:blip r:embed="rId4">
-            <a:extLst>
-              <a:ext uri="{28A0092B-C50C-407E-A947-70E740481C1C}">
-                <a14:useLocalDpi xmlns:a14="http://schemas.microsoft.com/office/drawing/2010/main" val="0"/>
-              </a:ext>
-            </a:extLst>
-          </a:blip>
-          <a:stretch>
-            <a:fillRect/>
-          </a:stretch>
-        </p:blipFill>
-        <p:spPr>
-          <a:xfrm>
-            <a:off x="7847342" y="2287555"/>
-            <a:ext cx="3770355" cy="3770355"/>
+            <a:off x="6564393" y="2092975"/>
+            <a:ext cx="3735126" cy="3735126"/>
           </a:xfrm>
           <a:prstGeom prst="rect">
             <a:avLst/>
